--- a/Apresentação JustPay.pptx
+++ b/Apresentação JustPay.pptx
@@ -108,7 +108,16 @@
       </a:defRPr>
     </a:lvl9pPr>
   </p:defaultTextStyle>
+  <p:extLst>
+    <p:ext uri="{EFAFB233-063F-42B5-8137-9DF3F51BA10A}">
+      <p15:sldGuideLst xmlns:p15="http://schemas.microsoft.com/office/powerpoint/2012/main"/>
+    </p:ext>
+  </p:extLst>
 </p:presentation>
+</file>
+
+<file path=ppt/revisionInfo.xml><?xml version="1.0" encoding="utf-8"?>
+<p1510:revInfo xmlns:a="http://schemas.openxmlformats.org/drawingml/2006/main" xmlns:r="http://schemas.openxmlformats.org/officeDocument/2006/relationships" xmlns:p1510="http://schemas.microsoft.com/office/powerpoint/2015/10/main"/>
 </file>
 
 <file path=ppt/slideLayouts/slideLayout1.xml><?xml version="1.0" encoding="utf-8"?>
@@ -14088,7 +14097,7 @@
         </p:nvSpPr>
         <p:spPr>
           <a:xfrm>
-            <a:off x="1154955" y="2603499"/>
+            <a:off x="1165972" y="2636550"/>
             <a:ext cx="8761412" cy="3554929"/>
           </a:xfrm>
         </p:spPr>
@@ -14211,7 +14220,7 @@
           <p:nvPr/>
         </p:nvPicPr>
         <p:blipFill>
-          <a:blip r:embed="rId3">
+          <a:blip r:embed="rId2">
             <a:extLst>
               <a:ext uri="{28A0092B-C50C-407E-A947-70E740481C1C}">
                 <a14:useLocalDpi xmlns:a14="http://schemas.microsoft.com/office/drawing/2010/main" val="0"/>
@@ -14234,10 +14243,10 @@
       </p:pic>
       <p:pic>
         <p:nvPicPr>
-          <p:cNvPr id="20" name="Imagem 19">
+          <p:cNvPr id="2" name="Imagem 1">
             <a:extLst>
               <a:ext uri="{FF2B5EF4-FFF2-40B4-BE49-F238E27FC236}">
-                <a16:creationId xmlns:a16="http://schemas.microsoft.com/office/drawing/2014/main" id="{FEB25149-FD47-42BE-AA45-A4CBD6311B88}"/>
+                <a16:creationId xmlns:a16="http://schemas.microsoft.com/office/drawing/2014/main" id="{D916D000-D13F-433D-AAF5-2C43674C77A4}"/>
               </a:ext>
             </a:extLst>
           </p:cNvPr>
@@ -14247,15 +14256,15 @@
           <p:nvPr/>
         </p:nvPicPr>
         <p:blipFill>
-          <a:blip r:embed="rId4"/>
+          <a:blip r:embed="rId3"/>
           <a:stretch>
             <a:fillRect/>
           </a:stretch>
         </p:blipFill>
         <p:spPr>
           <a:xfrm>
-            <a:off x="1858175" y="2243136"/>
-            <a:ext cx="8309734" cy="4614863"/>
+            <a:off x="0" y="2776549"/>
+            <a:ext cx="12192000" cy="2604892"/>
           </a:xfrm>
           <a:prstGeom prst="rect">
             <a:avLst/>
